--- a/Architektur.pptx
+++ b/Architektur.pptx
@@ -6,6 +6,8 @@
   </p:sldMasterIdLst>
   <p:sldIdLst>
     <p:sldId id="256" r:id="rId2"/>
+    <p:sldId id="257" r:id="rId3"/>
+    <p:sldId id="258" r:id="rId4"/>
   </p:sldIdLst>
   <p:sldSz cx="12192000" cy="6858000"/>
   <p:notesSz cx="6858000" cy="9144000"/>
@@ -270,7 +272,7 @@
           <a:p>
             <a:fld id="{2307985A-4F82-4BE2-AF27-226EFF685E0A}" type="datetimeFigureOut">
               <a:rPr lang="de-DE" smtClean="0"/>
-              <a:t>23.12.2023</a:t>
+              <a:t>12.01.2024</a:t>
             </a:fld>
             <a:endParaRPr lang="de-DE"/>
           </a:p>
@@ -468,7 +470,7 @@
           <a:p>
             <a:fld id="{2307985A-4F82-4BE2-AF27-226EFF685E0A}" type="datetimeFigureOut">
               <a:rPr lang="de-DE" smtClean="0"/>
-              <a:t>23.12.2023</a:t>
+              <a:t>12.01.2024</a:t>
             </a:fld>
             <a:endParaRPr lang="de-DE"/>
           </a:p>
@@ -676,7 +678,7 @@
           <a:p>
             <a:fld id="{2307985A-4F82-4BE2-AF27-226EFF685E0A}" type="datetimeFigureOut">
               <a:rPr lang="de-DE" smtClean="0"/>
-              <a:t>23.12.2023</a:t>
+              <a:t>12.01.2024</a:t>
             </a:fld>
             <a:endParaRPr lang="de-DE"/>
           </a:p>
@@ -874,7 +876,7 @@
           <a:p>
             <a:fld id="{2307985A-4F82-4BE2-AF27-226EFF685E0A}" type="datetimeFigureOut">
               <a:rPr lang="de-DE" smtClean="0"/>
-              <a:t>23.12.2023</a:t>
+              <a:t>12.01.2024</a:t>
             </a:fld>
             <a:endParaRPr lang="de-DE"/>
           </a:p>
@@ -1149,7 +1151,7 @@
           <a:p>
             <a:fld id="{2307985A-4F82-4BE2-AF27-226EFF685E0A}" type="datetimeFigureOut">
               <a:rPr lang="de-DE" smtClean="0"/>
-              <a:t>23.12.2023</a:t>
+              <a:t>12.01.2024</a:t>
             </a:fld>
             <a:endParaRPr lang="de-DE"/>
           </a:p>
@@ -1414,7 +1416,7 @@
           <a:p>
             <a:fld id="{2307985A-4F82-4BE2-AF27-226EFF685E0A}" type="datetimeFigureOut">
               <a:rPr lang="de-DE" smtClean="0"/>
-              <a:t>23.12.2023</a:t>
+              <a:t>12.01.2024</a:t>
             </a:fld>
             <a:endParaRPr lang="de-DE"/>
           </a:p>
@@ -1826,7 +1828,7 @@
           <a:p>
             <a:fld id="{2307985A-4F82-4BE2-AF27-226EFF685E0A}" type="datetimeFigureOut">
               <a:rPr lang="de-DE" smtClean="0"/>
-              <a:t>23.12.2023</a:t>
+              <a:t>12.01.2024</a:t>
             </a:fld>
             <a:endParaRPr lang="de-DE"/>
           </a:p>
@@ -1967,7 +1969,7 @@
           <a:p>
             <a:fld id="{2307985A-4F82-4BE2-AF27-226EFF685E0A}" type="datetimeFigureOut">
               <a:rPr lang="de-DE" smtClean="0"/>
-              <a:t>23.12.2023</a:t>
+              <a:t>12.01.2024</a:t>
             </a:fld>
             <a:endParaRPr lang="de-DE"/>
           </a:p>
@@ -2080,7 +2082,7 @@
           <a:p>
             <a:fld id="{2307985A-4F82-4BE2-AF27-226EFF685E0A}" type="datetimeFigureOut">
               <a:rPr lang="de-DE" smtClean="0"/>
-              <a:t>23.12.2023</a:t>
+              <a:t>12.01.2024</a:t>
             </a:fld>
             <a:endParaRPr lang="de-DE"/>
           </a:p>
@@ -2391,7 +2393,7 @@
           <a:p>
             <a:fld id="{2307985A-4F82-4BE2-AF27-226EFF685E0A}" type="datetimeFigureOut">
               <a:rPr lang="de-DE" smtClean="0"/>
-              <a:t>23.12.2023</a:t>
+              <a:t>12.01.2024</a:t>
             </a:fld>
             <a:endParaRPr lang="de-DE"/>
           </a:p>
@@ -2679,7 +2681,7 @@
           <a:p>
             <a:fld id="{2307985A-4F82-4BE2-AF27-226EFF685E0A}" type="datetimeFigureOut">
               <a:rPr lang="de-DE" smtClean="0"/>
-              <a:t>23.12.2023</a:t>
+              <a:t>12.01.2024</a:t>
             </a:fld>
             <a:endParaRPr lang="de-DE"/>
           </a:p>
@@ -2920,7 +2922,7 @@
           <a:p>
             <a:fld id="{2307985A-4F82-4BE2-AF27-226EFF685E0A}" type="datetimeFigureOut">
               <a:rPr lang="de-DE" smtClean="0"/>
-              <a:t>23.12.2023</a:t>
+              <a:t>12.01.2024</a:t>
             </a:fld>
             <a:endParaRPr lang="de-DE"/>
           </a:p>
@@ -3811,6 +3813,220 @@
 </p:sld>
 </file>
 
+<file path=ppt/slides/slide2.xml><?xml version="1.0" encoding="utf-8"?>
+<p:sld xmlns:a="http://schemas.openxmlformats.org/drawingml/2006/main" xmlns:r="http://schemas.openxmlformats.org/officeDocument/2006/relationships" xmlns:p="http://schemas.openxmlformats.org/presentationml/2006/main">
+  <p:cSld>
+    <p:spTree>
+      <p:nvGrpSpPr>
+        <p:cNvPr id="1" name=""/>
+        <p:cNvGrpSpPr/>
+        <p:nvPr/>
+      </p:nvGrpSpPr>
+      <p:grpSpPr>
+        <a:xfrm>
+          <a:off x="0" y="0"/>
+          <a:ext cx="0" cy="0"/>
+          <a:chOff x="0" y="0"/>
+          <a:chExt cx="0" cy="0"/>
+        </a:xfrm>
+      </p:grpSpPr>
+      <p:sp>
+        <p:nvSpPr>
+          <p:cNvPr id="2" name="Ellipse 1">
+            <a:extLst>
+              <a:ext uri="{FF2B5EF4-FFF2-40B4-BE49-F238E27FC236}">
+                <a16:creationId xmlns:a16="http://schemas.microsoft.com/office/drawing/2014/main" id="{A2E839A5-FC4D-0142-8BAF-E3A41DCFF12B}"/>
+              </a:ext>
+            </a:extLst>
+          </p:cNvPr>
+          <p:cNvSpPr>
+            <a:spLocks noChangeAspect="1"/>
+          </p:cNvSpPr>
+          <p:nvPr/>
+        </p:nvSpPr>
+        <p:spPr>
+          <a:xfrm>
+            <a:off x="2326943" y="1105468"/>
+            <a:ext cx="900000" cy="900000"/>
+          </a:xfrm>
+          <a:prstGeom prst="ellipse">
+            <a:avLst/>
+          </a:prstGeom>
+          <a:solidFill>
+            <a:schemeClr val="tx1"/>
+          </a:solidFill>
+          <a:ln>
+            <a:noFill/>
+          </a:ln>
+        </p:spPr>
+        <p:style>
+          <a:lnRef idx="2">
+            <a:schemeClr val="accent1">
+              <a:shade val="15000"/>
+            </a:schemeClr>
+          </a:lnRef>
+          <a:fillRef idx="1">
+            <a:schemeClr val="accent1"/>
+          </a:fillRef>
+          <a:effectRef idx="0">
+            <a:schemeClr val="accent1"/>
+          </a:effectRef>
+          <a:fontRef idx="minor">
+            <a:schemeClr val="lt1"/>
+          </a:fontRef>
+        </p:style>
+        <p:txBody>
+          <a:bodyPr rtlCol="0" anchor="ctr"/>
+          <a:lstStyle/>
+          <a:p>
+            <a:pPr algn="ctr"/>
+            <a:r>
+              <a:rPr lang="de-DE" sz="6600" dirty="0">
+                <a:latin typeface="Bodoni MT Black" panose="02070A03080606020203" pitchFamily="18" charset="0"/>
+              </a:rPr>
+              <a:t>i</a:t>
+            </a:r>
+          </a:p>
+        </p:txBody>
+      </p:sp>
+      <p:sp>
+        <p:nvSpPr>
+          <p:cNvPr id="3" name="Rechteck 2">
+            <a:extLst>
+              <a:ext uri="{FF2B5EF4-FFF2-40B4-BE49-F238E27FC236}">
+                <a16:creationId xmlns:a16="http://schemas.microsoft.com/office/drawing/2014/main" id="{648EF079-0AEE-B2BA-F7DF-6FA39A1A9974}"/>
+              </a:ext>
+            </a:extLst>
+          </p:cNvPr>
+          <p:cNvSpPr/>
+          <p:nvPr/>
+        </p:nvSpPr>
+        <p:spPr>
+          <a:xfrm>
+            <a:off x="3719015" y="2245057"/>
+            <a:ext cx="2743200" cy="2088107"/>
+          </a:xfrm>
+          <a:prstGeom prst="rect">
+            <a:avLst/>
+          </a:prstGeom>
+        </p:spPr>
+        <p:style>
+          <a:lnRef idx="2">
+            <a:schemeClr val="accent1">
+              <a:shade val="15000"/>
+            </a:schemeClr>
+          </a:lnRef>
+          <a:fillRef idx="1">
+            <a:schemeClr val="accent1"/>
+          </a:fillRef>
+          <a:effectRef idx="0">
+            <a:schemeClr val="accent1"/>
+          </a:effectRef>
+          <a:fontRef idx="minor">
+            <a:schemeClr val="lt1"/>
+          </a:fontRef>
+        </p:style>
+        <p:txBody>
+          <a:bodyPr rtlCol="0" anchor="ctr"/>
+          <a:lstStyle/>
+          <a:p>
+            <a:pPr algn="ctr"/>
+            <a:endParaRPr lang="de-DE"/>
+          </a:p>
+        </p:txBody>
+      </p:sp>
+      <p:sp>
+        <p:nvSpPr>
+          <p:cNvPr id="4" name="Gleichschenkliges Dreieck 3">
+            <a:extLst>
+              <a:ext uri="{FF2B5EF4-FFF2-40B4-BE49-F238E27FC236}">
+                <a16:creationId xmlns:a16="http://schemas.microsoft.com/office/drawing/2014/main" id="{FE2EE912-3AA2-49EB-B162-DDA7B6564E11}"/>
+              </a:ext>
+            </a:extLst>
+          </p:cNvPr>
+          <p:cNvSpPr/>
+          <p:nvPr/>
+        </p:nvSpPr>
+        <p:spPr>
+          <a:xfrm rot="16200000">
+            <a:off x="4353636" y="3016154"/>
+            <a:ext cx="360000" cy="360000"/>
+          </a:xfrm>
+          <a:prstGeom prst="triangle">
+            <a:avLst/>
+          </a:prstGeom>
+          <a:solidFill>
+            <a:schemeClr val="bg1"/>
+          </a:solidFill>
+        </p:spPr>
+        <p:style>
+          <a:lnRef idx="2">
+            <a:schemeClr val="accent1">
+              <a:shade val="15000"/>
+            </a:schemeClr>
+          </a:lnRef>
+          <a:fillRef idx="1">
+            <a:schemeClr val="accent1"/>
+          </a:fillRef>
+          <a:effectRef idx="0">
+            <a:schemeClr val="accent1"/>
+          </a:effectRef>
+          <a:fontRef idx="minor">
+            <a:schemeClr val="lt1"/>
+          </a:fontRef>
+        </p:style>
+        <p:txBody>
+          <a:bodyPr rtlCol="0" anchor="ctr"/>
+          <a:lstStyle/>
+          <a:p>
+            <a:pPr algn="ctr"/>
+            <a:endParaRPr lang="de-DE"/>
+          </a:p>
+        </p:txBody>
+      </p:sp>
+    </p:spTree>
+    <p:extLst>
+      <p:ext uri="{BB962C8B-B14F-4D97-AF65-F5344CB8AC3E}">
+        <p14:creationId xmlns:p14="http://schemas.microsoft.com/office/powerpoint/2010/main" val="2665082863"/>
+      </p:ext>
+    </p:extLst>
+  </p:cSld>
+  <p:clrMapOvr>
+    <a:masterClrMapping/>
+  </p:clrMapOvr>
+</p:sld>
+</file>
+
+<file path=ppt/slides/slide3.xml><?xml version="1.0" encoding="utf-8"?>
+<p:sld xmlns:a="http://schemas.openxmlformats.org/drawingml/2006/main" xmlns:r="http://schemas.openxmlformats.org/officeDocument/2006/relationships" xmlns:p="http://schemas.openxmlformats.org/presentationml/2006/main">
+  <p:cSld>
+    <p:spTree>
+      <p:nvGrpSpPr>
+        <p:cNvPr id="1" name=""/>
+        <p:cNvGrpSpPr/>
+        <p:nvPr/>
+      </p:nvGrpSpPr>
+      <p:grpSpPr>
+        <a:xfrm>
+          <a:off x="0" y="0"/>
+          <a:ext cx="0" cy="0"/>
+          <a:chOff x="0" y="0"/>
+          <a:chExt cx="0" cy="0"/>
+        </a:xfrm>
+      </p:grpSpPr>
+    </p:spTree>
+    <p:extLst>
+      <p:ext uri="{BB962C8B-B14F-4D97-AF65-F5344CB8AC3E}">
+        <p14:creationId xmlns:p14="http://schemas.microsoft.com/office/powerpoint/2010/main" val="3387965760"/>
+      </p:ext>
+    </p:extLst>
+  </p:cSld>
+  <p:clrMapOvr>
+    <a:masterClrMapping/>
+  </p:clrMapOvr>
+</p:sld>
+</file>
+
 <file path=ppt/theme/theme1.xml><?xml version="1.0" encoding="utf-8"?>
 <a:theme xmlns:a="http://schemas.openxmlformats.org/drawingml/2006/main" name="Office">
   <a:themeElements>

--- a/Architektur.pptx
+++ b/Architektur.pptx
@@ -272,7 +272,7 @@
           <a:p>
             <a:fld id="{2307985A-4F82-4BE2-AF27-226EFF685E0A}" type="datetimeFigureOut">
               <a:rPr lang="de-DE" smtClean="0"/>
-              <a:t>12.01.2024</a:t>
+              <a:t>13.01.2024</a:t>
             </a:fld>
             <a:endParaRPr lang="de-DE"/>
           </a:p>
@@ -470,7 +470,7 @@
           <a:p>
             <a:fld id="{2307985A-4F82-4BE2-AF27-226EFF685E0A}" type="datetimeFigureOut">
               <a:rPr lang="de-DE" smtClean="0"/>
-              <a:t>12.01.2024</a:t>
+              <a:t>13.01.2024</a:t>
             </a:fld>
             <a:endParaRPr lang="de-DE"/>
           </a:p>
@@ -678,7 +678,7 @@
           <a:p>
             <a:fld id="{2307985A-4F82-4BE2-AF27-226EFF685E0A}" type="datetimeFigureOut">
               <a:rPr lang="de-DE" smtClean="0"/>
-              <a:t>12.01.2024</a:t>
+              <a:t>13.01.2024</a:t>
             </a:fld>
             <a:endParaRPr lang="de-DE"/>
           </a:p>
@@ -876,7 +876,7 @@
           <a:p>
             <a:fld id="{2307985A-4F82-4BE2-AF27-226EFF685E0A}" type="datetimeFigureOut">
               <a:rPr lang="de-DE" smtClean="0"/>
-              <a:t>12.01.2024</a:t>
+              <a:t>13.01.2024</a:t>
             </a:fld>
             <a:endParaRPr lang="de-DE"/>
           </a:p>
@@ -1151,7 +1151,7 @@
           <a:p>
             <a:fld id="{2307985A-4F82-4BE2-AF27-226EFF685E0A}" type="datetimeFigureOut">
               <a:rPr lang="de-DE" smtClean="0"/>
-              <a:t>12.01.2024</a:t>
+              <a:t>13.01.2024</a:t>
             </a:fld>
             <a:endParaRPr lang="de-DE"/>
           </a:p>
@@ -1416,7 +1416,7 @@
           <a:p>
             <a:fld id="{2307985A-4F82-4BE2-AF27-226EFF685E0A}" type="datetimeFigureOut">
               <a:rPr lang="de-DE" smtClean="0"/>
-              <a:t>12.01.2024</a:t>
+              <a:t>13.01.2024</a:t>
             </a:fld>
             <a:endParaRPr lang="de-DE"/>
           </a:p>
@@ -1828,7 +1828,7 @@
           <a:p>
             <a:fld id="{2307985A-4F82-4BE2-AF27-226EFF685E0A}" type="datetimeFigureOut">
               <a:rPr lang="de-DE" smtClean="0"/>
-              <a:t>12.01.2024</a:t>
+              <a:t>13.01.2024</a:t>
             </a:fld>
             <a:endParaRPr lang="de-DE"/>
           </a:p>
@@ -1969,7 +1969,7 @@
           <a:p>
             <a:fld id="{2307985A-4F82-4BE2-AF27-226EFF685E0A}" type="datetimeFigureOut">
               <a:rPr lang="de-DE" smtClean="0"/>
-              <a:t>12.01.2024</a:t>
+              <a:t>13.01.2024</a:t>
             </a:fld>
             <a:endParaRPr lang="de-DE"/>
           </a:p>
@@ -2082,7 +2082,7 @@
           <a:p>
             <a:fld id="{2307985A-4F82-4BE2-AF27-226EFF685E0A}" type="datetimeFigureOut">
               <a:rPr lang="de-DE" smtClean="0"/>
-              <a:t>12.01.2024</a:t>
+              <a:t>13.01.2024</a:t>
             </a:fld>
             <a:endParaRPr lang="de-DE"/>
           </a:p>
@@ -2393,7 +2393,7 @@
           <a:p>
             <a:fld id="{2307985A-4F82-4BE2-AF27-226EFF685E0A}" type="datetimeFigureOut">
               <a:rPr lang="de-DE" smtClean="0"/>
-              <a:t>12.01.2024</a:t>
+              <a:t>13.01.2024</a:t>
             </a:fld>
             <a:endParaRPr lang="de-DE"/>
           </a:p>
@@ -2681,7 +2681,7 @@
           <a:p>
             <a:fld id="{2307985A-4F82-4BE2-AF27-226EFF685E0A}" type="datetimeFigureOut">
               <a:rPr lang="de-DE" smtClean="0"/>
-              <a:t>12.01.2024</a:t>
+              <a:t>13.01.2024</a:t>
             </a:fld>
             <a:endParaRPr lang="de-DE"/>
           </a:p>
@@ -2922,7 +2922,7 @@
           <a:p>
             <a:fld id="{2307985A-4F82-4BE2-AF27-226EFF685E0A}" type="datetimeFigureOut">
               <a:rPr lang="de-DE" smtClean="0"/>
-              <a:t>12.01.2024</a:t>
+              <a:t>13.01.2024</a:t>
             </a:fld>
             <a:endParaRPr lang="de-DE"/>
           </a:p>
@@ -3903,8 +3903,8 @@
         </p:nvSpPr>
         <p:spPr>
           <a:xfrm>
-            <a:off x="3719015" y="2245057"/>
-            <a:ext cx="2743200" cy="2088107"/>
+            <a:off x="3739485" y="2176817"/>
+            <a:ext cx="3179929" cy="2088107"/>
           </a:xfrm>
           <a:prstGeom prst="rect">
             <a:avLst/>
@@ -3949,8 +3949,59 @@
         </p:nvSpPr>
         <p:spPr>
           <a:xfrm rot="16200000">
-            <a:off x="4353636" y="3016154"/>
-            <a:ext cx="360000" cy="360000"/>
+            <a:off x="4407636" y="2962154"/>
+            <a:ext cx="360000" cy="468000"/>
+          </a:xfrm>
+          <a:prstGeom prst="triangle">
+            <a:avLst/>
+          </a:prstGeom>
+          <a:solidFill>
+            <a:schemeClr val="bg1">
+              <a:lumMod val="65000"/>
+            </a:schemeClr>
+          </a:solidFill>
+        </p:spPr>
+        <p:style>
+          <a:lnRef idx="2">
+            <a:schemeClr val="accent1">
+              <a:shade val="15000"/>
+            </a:schemeClr>
+          </a:lnRef>
+          <a:fillRef idx="1">
+            <a:schemeClr val="accent1"/>
+          </a:fillRef>
+          <a:effectRef idx="0">
+            <a:schemeClr val="accent1"/>
+          </a:effectRef>
+          <a:fontRef idx="minor">
+            <a:schemeClr val="lt1"/>
+          </a:fontRef>
+        </p:style>
+        <p:txBody>
+          <a:bodyPr rtlCol="0" anchor="ctr"/>
+          <a:lstStyle/>
+          <a:p>
+            <a:pPr algn="ctr"/>
+            <a:endParaRPr lang="de-DE"/>
+          </a:p>
+        </p:txBody>
+      </p:sp>
+      <p:sp>
+        <p:nvSpPr>
+          <p:cNvPr id="5" name="Gleichschenkliges Dreieck 4">
+            <a:extLst>
+              <a:ext uri="{FF2B5EF4-FFF2-40B4-BE49-F238E27FC236}">
+                <a16:creationId xmlns:a16="http://schemas.microsoft.com/office/drawing/2014/main" id="{39CBBAE5-E15E-EADB-E9CB-F7A64B0C98B1}"/>
+              </a:ext>
+            </a:extLst>
+          </p:cNvPr>
+          <p:cNvSpPr/>
+          <p:nvPr/>
+        </p:nvSpPr>
+        <p:spPr>
+          <a:xfrm rot="10800000">
+            <a:off x="5815630" y="3015000"/>
+            <a:ext cx="360000" cy="468000"/>
           </a:xfrm>
           <a:prstGeom prst="triangle">
             <a:avLst/>

--- a/Architektur.pptx
+++ b/Architektur.pptx
@@ -272,7 +272,7 @@
           <a:p>
             <a:fld id="{2307985A-4F82-4BE2-AF27-226EFF685E0A}" type="datetimeFigureOut">
               <a:rPr lang="de-DE" smtClean="0"/>
-              <a:t>13.01.2024</a:t>
+              <a:t>02.02.2024</a:t>
             </a:fld>
             <a:endParaRPr lang="de-DE"/>
           </a:p>
@@ -470,7 +470,7 @@
           <a:p>
             <a:fld id="{2307985A-4F82-4BE2-AF27-226EFF685E0A}" type="datetimeFigureOut">
               <a:rPr lang="de-DE" smtClean="0"/>
-              <a:t>13.01.2024</a:t>
+              <a:t>02.02.2024</a:t>
             </a:fld>
             <a:endParaRPr lang="de-DE"/>
           </a:p>
@@ -678,7 +678,7 @@
           <a:p>
             <a:fld id="{2307985A-4F82-4BE2-AF27-226EFF685E0A}" type="datetimeFigureOut">
               <a:rPr lang="de-DE" smtClean="0"/>
-              <a:t>13.01.2024</a:t>
+              <a:t>02.02.2024</a:t>
             </a:fld>
             <a:endParaRPr lang="de-DE"/>
           </a:p>
@@ -876,7 +876,7 @@
           <a:p>
             <a:fld id="{2307985A-4F82-4BE2-AF27-226EFF685E0A}" type="datetimeFigureOut">
               <a:rPr lang="de-DE" smtClean="0"/>
-              <a:t>13.01.2024</a:t>
+              <a:t>02.02.2024</a:t>
             </a:fld>
             <a:endParaRPr lang="de-DE"/>
           </a:p>
@@ -1151,7 +1151,7 @@
           <a:p>
             <a:fld id="{2307985A-4F82-4BE2-AF27-226EFF685E0A}" type="datetimeFigureOut">
               <a:rPr lang="de-DE" smtClean="0"/>
-              <a:t>13.01.2024</a:t>
+              <a:t>02.02.2024</a:t>
             </a:fld>
             <a:endParaRPr lang="de-DE"/>
           </a:p>
@@ -1416,7 +1416,7 @@
           <a:p>
             <a:fld id="{2307985A-4F82-4BE2-AF27-226EFF685E0A}" type="datetimeFigureOut">
               <a:rPr lang="de-DE" smtClean="0"/>
-              <a:t>13.01.2024</a:t>
+              <a:t>02.02.2024</a:t>
             </a:fld>
             <a:endParaRPr lang="de-DE"/>
           </a:p>
@@ -1828,7 +1828,7 @@
           <a:p>
             <a:fld id="{2307985A-4F82-4BE2-AF27-226EFF685E0A}" type="datetimeFigureOut">
               <a:rPr lang="de-DE" smtClean="0"/>
-              <a:t>13.01.2024</a:t>
+              <a:t>02.02.2024</a:t>
             </a:fld>
             <a:endParaRPr lang="de-DE"/>
           </a:p>
@@ -1969,7 +1969,7 @@
           <a:p>
             <a:fld id="{2307985A-4F82-4BE2-AF27-226EFF685E0A}" type="datetimeFigureOut">
               <a:rPr lang="de-DE" smtClean="0"/>
-              <a:t>13.01.2024</a:t>
+              <a:t>02.02.2024</a:t>
             </a:fld>
             <a:endParaRPr lang="de-DE"/>
           </a:p>
@@ -2082,7 +2082,7 @@
           <a:p>
             <a:fld id="{2307985A-4F82-4BE2-AF27-226EFF685E0A}" type="datetimeFigureOut">
               <a:rPr lang="de-DE" smtClean="0"/>
-              <a:t>13.01.2024</a:t>
+              <a:t>02.02.2024</a:t>
             </a:fld>
             <a:endParaRPr lang="de-DE"/>
           </a:p>
@@ -2393,7 +2393,7 @@
           <a:p>
             <a:fld id="{2307985A-4F82-4BE2-AF27-226EFF685E0A}" type="datetimeFigureOut">
               <a:rPr lang="de-DE" smtClean="0"/>
-              <a:t>13.01.2024</a:t>
+              <a:t>02.02.2024</a:t>
             </a:fld>
             <a:endParaRPr lang="de-DE"/>
           </a:p>
@@ -2681,7 +2681,7 @@
           <a:p>
             <a:fld id="{2307985A-4F82-4BE2-AF27-226EFF685E0A}" type="datetimeFigureOut">
               <a:rPr lang="de-DE" smtClean="0"/>
-              <a:t>13.01.2024</a:t>
+              <a:t>02.02.2024</a:t>
             </a:fld>
             <a:endParaRPr lang="de-DE"/>
           </a:p>
@@ -2922,7 +2922,7 @@
           <a:p>
             <a:fld id="{2307985A-4F82-4BE2-AF27-226EFF685E0A}" type="datetimeFigureOut">
               <a:rPr lang="de-DE" smtClean="0"/>
-              <a:t>13.01.2024</a:t>
+              <a:t>02.02.2024</a:t>
             </a:fld>
             <a:endParaRPr lang="de-DE"/>
           </a:p>
@@ -4065,6 +4065,1031 @@
           <a:chExt cx="0" cy="0"/>
         </a:xfrm>
       </p:grpSpPr>
+      <p:pic>
+        <p:nvPicPr>
+          <p:cNvPr id="3" name="Grafik 2">
+            <a:extLst>
+              <a:ext uri="{FF2B5EF4-FFF2-40B4-BE49-F238E27FC236}">
+                <a16:creationId xmlns:a16="http://schemas.microsoft.com/office/drawing/2014/main" id="{288D38A0-B505-F45C-D8F0-8624F873F0D8}"/>
+              </a:ext>
+            </a:extLst>
+          </p:cNvPr>
+          <p:cNvPicPr>
+            <a:picLocks noChangeAspect="1"/>
+          </p:cNvPicPr>
+          <p:nvPr/>
+        </p:nvPicPr>
+        <p:blipFill>
+          <a:blip r:embed="rId2">
+            <a:extLst>
+              <a:ext uri="{28A0092B-C50C-407E-A947-70E740481C1C}">
+                <a14:useLocalDpi xmlns:a14="http://schemas.microsoft.com/office/drawing/2010/main" val="0"/>
+              </a:ext>
+            </a:extLst>
+          </a:blip>
+          <a:stretch>
+            <a:fillRect/>
+          </a:stretch>
+        </p:blipFill>
+        <p:spPr>
+          <a:xfrm>
+            <a:off x="1143812" y="1596788"/>
+            <a:ext cx="1492370" cy="1492370"/>
+          </a:xfrm>
+          <a:prstGeom prst="rect">
+            <a:avLst/>
+          </a:prstGeom>
+        </p:spPr>
+      </p:pic>
+      <p:pic>
+        <p:nvPicPr>
+          <p:cNvPr id="7" name="Grafik 6">
+            <a:extLst>
+              <a:ext uri="{FF2B5EF4-FFF2-40B4-BE49-F238E27FC236}">
+                <a16:creationId xmlns:a16="http://schemas.microsoft.com/office/drawing/2014/main" id="{C2A79F58-AB92-DB22-C56B-4DF241A59C0A}"/>
+              </a:ext>
+            </a:extLst>
+          </p:cNvPr>
+          <p:cNvPicPr>
+            <a:picLocks noChangeAspect="1"/>
+          </p:cNvPicPr>
+          <p:nvPr/>
+        </p:nvPicPr>
+        <p:blipFill>
+          <a:blip r:embed="rId2">
+            <a:extLst>
+              <a:ext uri="{28A0092B-C50C-407E-A947-70E740481C1C}">
+                <a14:useLocalDpi xmlns:a14="http://schemas.microsoft.com/office/drawing/2010/main" val="0"/>
+              </a:ext>
+            </a:extLst>
+          </a:blip>
+          <a:stretch>
+            <a:fillRect/>
+          </a:stretch>
+        </p:blipFill>
+        <p:spPr>
+          <a:xfrm>
+            <a:off x="8988005" y="1596788"/>
+            <a:ext cx="1492370" cy="1492370"/>
+          </a:xfrm>
+          <a:prstGeom prst="rect">
+            <a:avLst/>
+          </a:prstGeom>
+        </p:spPr>
+      </p:pic>
+      <p:pic>
+        <p:nvPicPr>
+          <p:cNvPr id="11" name="Grafik 10">
+            <a:extLst>
+              <a:ext uri="{FF2B5EF4-FFF2-40B4-BE49-F238E27FC236}">
+                <a16:creationId xmlns:a16="http://schemas.microsoft.com/office/drawing/2014/main" id="{79DADBB5-C73C-E65D-E91D-36FA992012CD}"/>
+              </a:ext>
+            </a:extLst>
+          </p:cNvPr>
+          <p:cNvPicPr>
+            <a:picLocks noChangeAspect="1"/>
+          </p:cNvPicPr>
+          <p:nvPr/>
+        </p:nvPicPr>
+        <p:blipFill>
+          <a:blip r:embed="rId3">
+            <a:extLst>
+              <a:ext uri="{28A0092B-C50C-407E-A947-70E740481C1C}">
+                <a14:useLocalDpi xmlns:a14="http://schemas.microsoft.com/office/drawing/2010/main" val="0"/>
+              </a:ext>
+            </a:extLst>
+          </a:blip>
+          <a:stretch>
+            <a:fillRect/>
+          </a:stretch>
+        </p:blipFill>
+        <p:spPr>
+          <a:xfrm>
+            <a:off x="5181411" y="2147351"/>
+            <a:ext cx="1243546" cy="1243546"/>
+          </a:xfrm>
+          <a:prstGeom prst="rect">
+            <a:avLst/>
+          </a:prstGeom>
+        </p:spPr>
+      </p:pic>
+      <p:cxnSp>
+        <p:nvCxnSpPr>
+          <p:cNvPr id="21" name="Gerade Verbindung mit Pfeil 20">
+            <a:extLst>
+              <a:ext uri="{FF2B5EF4-FFF2-40B4-BE49-F238E27FC236}">
+                <a16:creationId xmlns:a16="http://schemas.microsoft.com/office/drawing/2014/main" id="{A62441F7-86CE-AC40-3523-EAE3DDC3B75E}"/>
+              </a:ext>
+            </a:extLst>
+          </p:cNvPr>
+          <p:cNvCxnSpPr>
+            <a:cxnSpLocks/>
+          </p:cNvCxnSpPr>
+          <p:nvPr/>
+        </p:nvCxnSpPr>
+        <p:spPr>
+          <a:xfrm flipH="1" flipV="1">
+            <a:off x="2712279" y="2769124"/>
+            <a:ext cx="2296449" cy="9691"/>
+          </a:xfrm>
+          <a:prstGeom prst="straightConnector1">
+            <a:avLst/>
+          </a:prstGeom>
+          <a:ln w="28575">
+            <a:solidFill>
+              <a:schemeClr val="tx1"/>
+            </a:solidFill>
+            <a:tailEnd type="triangle"/>
+          </a:ln>
+        </p:spPr>
+        <p:style>
+          <a:lnRef idx="1">
+            <a:schemeClr val="accent1"/>
+          </a:lnRef>
+          <a:fillRef idx="0">
+            <a:schemeClr val="accent1"/>
+          </a:fillRef>
+          <a:effectRef idx="0">
+            <a:schemeClr val="accent1"/>
+          </a:effectRef>
+          <a:fontRef idx="minor">
+            <a:schemeClr val="tx1"/>
+          </a:fontRef>
+        </p:style>
+      </p:cxnSp>
+      <p:cxnSp>
+        <p:nvCxnSpPr>
+          <p:cNvPr id="25" name="Gerade Verbindung mit Pfeil 24">
+            <a:extLst>
+              <a:ext uri="{FF2B5EF4-FFF2-40B4-BE49-F238E27FC236}">
+                <a16:creationId xmlns:a16="http://schemas.microsoft.com/office/drawing/2014/main" id="{0BA957EA-0843-5C47-C188-754BE3331454}"/>
+              </a:ext>
+            </a:extLst>
+          </p:cNvPr>
+          <p:cNvCxnSpPr>
+            <a:cxnSpLocks/>
+          </p:cNvCxnSpPr>
+          <p:nvPr/>
+        </p:nvCxnSpPr>
+        <p:spPr>
+          <a:xfrm>
+            <a:off x="6640355" y="2778815"/>
+            <a:ext cx="2278454" cy="0"/>
+          </a:xfrm>
+          <a:prstGeom prst="straightConnector1">
+            <a:avLst/>
+          </a:prstGeom>
+          <a:ln w="28575">
+            <a:solidFill>
+              <a:schemeClr val="tx1"/>
+            </a:solidFill>
+            <a:tailEnd type="triangle"/>
+          </a:ln>
+        </p:spPr>
+        <p:style>
+          <a:lnRef idx="1">
+            <a:schemeClr val="accent1"/>
+          </a:lnRef>
+          <a:fillRef idx="0">
+            <a:schemeClr val="accent1"/>
+          </a:fillRef>
+          <a:effectRef idx="0">
+            <a:schemeClr val="accent1"/>
+          </a:effectRef>
+          <a:fontRef idx="minor">
+            <a:schemeClr val="tx1"/>
+          </a:fontRef>
+        </p:style>
+      </p:cxnSp>
+      <p:pic>
+        <p:nvPicPr>
+          <p:cNvPr id="30" name="Grafik 29">
+            <a:extLst>
+              <a:ext uri="{FF2B5EF4-FFF2-40B4-BE49-F238E27FC236}">
+                <a16:creationId xmlns:a16="http://schemas.microsoft.com/office/drawing/2014/main" id="{038D77B8-3C3F-2695-3DD6-4516FAA53D84}"/>
+              </a:ext>
+            </a:extLst>
+          </p:cNvPr>
+          <p:cNvPicPr>
+            <a:picLocks noChangeAspect="1"/>
+          </p:cNvPicPr>
+          <p:nvPr/>
+        </p:nvPicPr>
+        <p:blipFill>
+          <a:blip r:embed="rId4">
+            <a:extLst>
+              <a:ext uri="{28A0092B-C50C-407E-A947-70E740481C1C}">
+                <a14:useLocalDpi xmlns:a14="http://schemas.microsoft.com/office/drawing/2010/main" val="0"/>
+              </a:ext>
+            </a:extLst>
+          </a:blip>
+          <a:stretch>
+            <a:fillRect/>
+          </a:stretch>
+        </p:blipFill>
+        <p:spPr>
+          <a:xfrm>
+            <a:off x="7297630" y="2404077"/>
+            <a:ext cx="683023" cy="683023"/>
+          </a:xfrm>
+          <a:prstGeom prst="rect">
+            <a:avLst/>
+          </a:prstGeom>
+          <a:solidFill>
+            <a:schemeClr val="bg1"/>
+          </a:solidFill>
+        </p:spPr>
+      </p:pic>
+      <p:sp>
+        <p:nvSpPr>
+          <p:cNvPr id="31" name="Textfeld 30">
+            <a:extLst>
+              <a:ext uri="{FF2B5EF4-FFF2-40B4-BE49-F238E27FC236}">
+                <a16:creationId xmlns:a16="http://schemas.microsoft.com/office/drawing/2014/main" id="{1A791C12-259E-DDA3-D774-A8647C1D1C19}"/>
+              </a:ext>
+            </a:extLst>
+          </p:cNvPr>
+          <p:cNvSpPr txBox="1"/>
+          <p:nvPr/>
+        </p:nvSpPr>
+        <p:spPr>
+          <a:xfrm>
+            <a:off x="3023025" y="1936453"/>
+            <a:ext cx="2085443" cy="369332"/>
+          </a:xfrm>
+          <a:prstGeom prst="rect">
+            <a:avLst/>
+          </a:prstGeom>
+          <a:noFill/>
+        </p:spPr>
+        <p:txBody>
+          <a:bodyPr wrap="none" rtlCol="0">
+            <a:spAutoFit/>
+          </a:bodyPr>
+          <a:lstStyle/>
+          <a:p>
+            <a:r>
+              <a:rPr lang="de-DE" dirty="0"/>
+              <a:t>Sudoku Trainer PWA</a:t>
+            </a:r>
+          </a:p>
+        </p:txBody>
+      </p:sp>
+      <p:sp>
+        <p:nvSpPr>
+          <p:cNvPr id="32" name="Textfeld 31">
+            <a:extLst>
+              <a:ext uri="{FF2B5EF4-FFF2-40B4-BE49-F238E27FC236}">
+                <a16:creationId xmlns:a16="http://schemas.microsoft.com/office/drawing/2014/main" id="{CB9CFB9E-077B-716C-B2F0-DD53048139CD}"/>
+              </a:ext>
+            </a:extLst>
+          </p:cNvPr>
+          <p:cNvSpPr txBox="1"/>
+          <p:nvPr/>
+        </p:nvSpPr>
+        <p:spPr>
+          <a:xfrm>
+            <a:off x="6515719" y="1936453"/>
+            <a:ext cx="2085443" cy="369332"/>
+          </a:xfrm>
+          <a:prstGeom prst="rect">
+            <a:avLst/>
+          </a:prstGeom>
+          <a:noFill/>
+        </p:spPr>
+        <p:txBody>
+          <a:bodyPr wrap="none" rtlCol="0">
+            <a:spAutoFit/>
+          </a:bodyPr>
+          <a:lstStyle/>
+          <a:p>
+            <a:r>
+              <a:rPr lang="de-DE" dirty="0"/>
+              <a:t>Sudoku Trainer PWA</a:t>
+            </a:r>
+          </a:p>
+        </p:txBody>
+      </p:sp>
+      <p:pic>
+        <p:nvPicPr>
+          <p:cNvPr id="15" name="Grafik 14">
+            <a:extLst>
+              <a:ext uri="{FF2B5EF4-FFF2-40B4-BE49-F238E27FC236}">
+                <a16:creationId xmlns:a16="http://schemas.microsoft.com/office/drawing/2014/main" id="{22D690C7-D5FA-9723-C7A9-BC59A209328E}"/>
+              </a:ext>
+            </a:extLst>
+          </p:cNvPr>
+          <p:cNvPicPr>
+            <a:picLocks noChangeAspect="1"/>
+          </p:cNvPicPr>
+          <p:nvPr/>
+        </p:nvPicPr>
+        <p:blipFill>
+          <a:blip r:embed="rId4">
+            <a:extLst>
+              <a:ext uri="{28A0092B-C50C-407E-A947-70E740481C1C}">
+                <a14:useLocalDpi xmlns:a14="http://schemas.microsoft.com/office/drawing/2010/main" val="0"/>
+              </a:ext>
+            </a:extLst>
+          </a:blip>
+          <a:stretch>
+            <a:fillRect/>
+          </a:stretch>
+        </p:blipFill>
+        <p:spPr>
+          <a:xfrm>
+            <a:off x="3780393" y="2404077"/>
+            <a:ext cx="683023" cy="683023"/>
+          </a:xfrm>
+          <a:prstGeom prst="rect">
+            <a:avLst/>
+          </a:prstGeom>
+          <a:solidFill>
+            <a:schemeClr val="bg1"/>
+          </a:solidFill>
+        </p:spPr>
+      </p:pic>
+      <p:sp>
+        <p:nvSpPr>
+          <p:cNvPr id="33" name="Rechteck 32">
+            <a:extLst>
+              <a:ext uri="{FF2B5EF4-FFF2-40B4-BE49-F238E27FC236}">
+                <a16:creationId xmlns:a16="http://schemas.microsoft.com/office/drawing/2014/main" id="{8362FB9F-6137-65FD-9A6C-D326269A759E}"/>
+              </a:ext>
+            </a:extLst>
+          </p:cNvPr>
+          <p:cNvSpPr/>
+          <p:nvPr/>
+        </p:nvSpPr>
+        <p:spPr>
+          <a:xfrm>
+            <a:off x="1410512" y="3036083"/>
+            <a:ext cx="958969" cy="354814"/>
+          </a:xfrm>
+          <a:prstGeom prst="rect">
+            <a:avLst/>
+          </a:prstGeom>
+          <a:solidFill>
+            <a:schemeClr val="bg1"/>
+          </a:solidFill>
+          <a:ln>
+            <a:solidFill>
+              <a:schemeClr val="tx1"/>
+            </a:solidFill>
+          </a:ln>
+        </p:spPr>
+        <p:style>
+          <a:lnRef idx="2">
+            <a:schemeClr val="accent1">
+              <a:shade val="15000"/>
+            </a:schemeClr>
+          </a:lnRef>
+          <a:fillRef idx="1">
+            <a:schemeClr val="accent1"/>
+          </a:fillRef>
+          <a:effectRef idx="0">
+            <a:schemeClr val="accent1"/>
+          </a:effectRef>
+          <a:fontRef idx="minor">
+            <a:schemeClr val="lt1"/>
+          </a:fontRef>
+        </p:style>
+        <p:txBody>
+          <a:bodyPr rtlCol="0" anchor="ctr"/>
+          <a:lstStyle/>
+          <a:p>
+            <a:pPr algn="ctr"/>
+            <a:r>
+              <a:rPr lang="de-DE" dirty="0">
+                <a:solidFill>
+                  <a:schemeClr val="tx1"/>
+                </a:solidFill>
+              </a:rPr>
+              <a:t>Puzzles</a:t>
+            </a:r>
+          </a:p>
+        </p:txBody>
+      </p:sp>
+      <p:sp>
+        <p:nvSpPr>
+          <p:cNvPr id="34" name="Rechteck 33">
+            <a:extLst>
+              <a:ext uri="{FF2B5EF4-FFF2-40B4-BE49-F238E27FC236}">
+                <a16:creationId xmlns:a16="http://schemas.microsoft.com/office/drawing/2014/main" id="{EAD312C8-820D-87E7-BEA9-887DC791EFA1}"/>
+              </a:ext>
+            </a:extLst>
+          </p:cNvPr>
+          <p:cNvSpPr/>
+          <p:nvPr/>
+        </p:nvSpPr>
+        <p:spPr>
+          <a:xfrm>
+            <a:off x="9254705" y="3036083"/>
+            <a:ext cx="958969" cy="354814"/>
+          </a:xfrm>
+          <a:prstGeom prst="rect">
+            <a:avLst/>
+          </a:prstGeom>
+          <a:solidFill>
+            <a:schemeClr val="bg1"/>
+          </a:solidFill>
+          <a:ln>
+            <a:solidFill>
+              <a:schemeClr val="tx1"/>
+            </a:solidFill>
+          </a:ln>
+        </p:spPr>
+        <p:style>
+          <a:lnRef idx="2">
+            <a:schemeClr val="accent1">
+              <a:shade val="15000"/>
+            </a:schemeClr>
+          </a:lnRef>
+          <a:fillRef idx="1">
+            <a:schemeClr val="accent1"/>
+          </a:fillRef>
+          <a:effectRef idx="0">
+            <a:schemeClr val="accent1"/>
+          </a:effectRef>
+          <a:fontRef idx="minor">
+            <a:schemeClr val="lt1"/>
+          </a:fontRef>
+        </p:style>
+        <p:txBody>
+          <a:bodyPr rtlCol="0" anchor="ctr"/>
+          <a:lstStyle/>
+          <a:p>
+            <a:pPr algn="ctr"/>
+            <a:r>
+              <a:rPr lang="de-DE" dirty="0">
+                <a:solidFill>
+                  <a:schemeClr val="tx1"/>
+                </a:solidFill>
+              </a:rPr>
+              <a:t>Puzzles</a:t>
+            </a:r>
+          </a:p>
+        </p:txBody>
+      </p:sp>
+      <p:grpSp>
+        <p:nvGrpSpPr>
+          <p:cNvPr id="59" name="Gruppieren 58">
+            <a:extLst>
+              <a:ext uri="{FF2B5EF4-FFF2-40B4-BE49-F238E27FC236}">
+                <a16:creationId xmlns:a16="http://schemas.microsoft.com/office/drawing/2014/main" id="{3BD8256B-E946-7E5D-1AB1-D4DFDB5FAC17}"/>
+              </a:ext>
+            </a:extLst>
+          </p:cNvPr>
+          <p:cNvGrpSpPr/>
+          <p:nvPr/>
+        </p:nvGrpSpPr>
+        <p:grpSpPr>
+          <a:xfrm>
+            <a:off x="470848" y="3517712"/>
+            <a:ext cx="3649179" cy="1608777"/>
+            <a:chOff x="470848" y="3517712"/>
+            <a:chExt cx="3649179" cy="1608777"/>
+          </a:xfrm>
+        </p:grpSpPr>
+        <p:sp>
+          <p:nvSpPr>
+            <p:cNvPr id="35" name="Flussdiagramm: Dokument 34">
+              <a:extLst>
+                <a:ext uri="{FF2B5EF4-FFF2-40B4-BE49-F238E27FC236}">
+                  <a16:creationId xmlns:a16="http://schemas.microsoft.com/office/drawing/2014/main" id="{543BE853-A044-EDB6-360A-0CC131CE4F37}"/>
+                </a:ext>
+              </a:extLst>
+            </p:cNvPr>
+            <p:cNvSpPr/>
+            <p:nvPr/>
+          </p:nvSpPr>
+          <p:spPr>
+            <a:xfrm>
+              <a:off x="1267314" y="4678716"/>
+              <a:ext cx="1245364" cy="447773"/>
+            </a:xfrm>
+            <a:prstGeom prst="flowChartDocument">
+              <a:avLst/>
+            </a:prstGeom>
+            <a:solidFill>
+              <a:schemeClr val="bg1"/>
+            </a:solidFill>
+          </p:spPr>
+          <p:style>
+            <a:lnRef idx="2">
+              <a:schemeClr val="accent1">
+                <a:shade val="15000"/>
+              </a:schemeClr>
+            </a:lnRef>
+            <a:fillRef idx="1">
+              <a:schemeClr val="accent1"/>
+            </a:fillRef>
+            <a:effectRef idx="0">
+              <a:schemeClr val="accent1"/>
+            </a:effectRef>
+            <a:fontRef idx="minor">
+              <a:schemeClr val="lt1"/>
+            </a:fontRef>
+          </p:style>
+          <p:txBody>
+            <a:bodyPr rtlCol="0" anchor="ctr"/>
+            <a:lstStyle/>
+            <a:p>
+              <a:pPr algn="ctr"/>
+              <a:r>
+                <a:rPr lang="de-DE" dirty="0">
+                  <a:solidFill>
+                    <a:schemeClr val="tx1"/>
+                  </a:solidFill>
+                </a:rPr>
+                <a:t>Puzzle-File</a:t>
+              </a:r>
+            </a:p>
+          </p:txBody>
+        </p:sp>
+        <p:cxnSp>
+          <p:nvCxnSpPr>
+            <p:cNvPr id="38" name="Gerade Verbindung mit Pfeil 37">
+              <a:extLst>
+                <a:ext uri="{FF2B5EF4-FFF2-40B4-BE49-F238E27FC236}">
+                  <a16:creationId xmlns:a16="http://schemas.microsoft.com/office/drawing/2014/main" id="{E8799750-99F8-B973-D5A4-44FD3424B6A4}"/>
+                </a:ext>
+              </a:extLst>
+            </p:cNvPr>
+            <p:cNvCxnSpPr>
+              <a:cxnSpLocks/>
+            </p:cNvCxnSpPr>
+            <p:nvPr/>
+          </p:nvCxnSpPr>
+          <p:spPr>
+            <a:xfrm>
+              <a:off x="1671850" y="3538184"/>
+              <a:ext cx="0" cy="1074759"/>
+            </a:xfrm>
+            <a:prstGeom prst="straightConnector1">
+              <a:avLst/>
+            </a:prstGeom>
+            <a:ln w="19050">
+              <a:solidFill>
+                <a:schemeClr val="tx1"/>
+              </a:solidFill>
+              <a:tailEnd type="triangle"/>
+            </a:ln>
+          </p:spPr>
+          <p:style>
+            <a:lnRef idx="1">
+              <a:schemeClr val="accent1"/>
+            </a:lnRef>
+            <a:fillRef idx="0">
+              <a:schemeClr val="accent1"/>
+            </a:fillRef>
+            <a:effectRef idx="0">
+              <a:schemeClr val="accent1"/>
+            </a:effectRef>
+            <a:fontRef idx="minor">
+              <a:schemeClr val="tx1"/>
+            </a:fontRef>
+          </p:style>
+        </p:cxnSp>
+        <p:cxnSp>
+          <p:nvCxnSpPr>
+            <p:cNvPr id="39" name="Gerade Verbindung mit Pfeil 38">
+              <a:extLst>
+                <a:ext uri="{FF2B5EF4-FFF2-40B4-BE49-F238E27FC236}">
+                  <a16:creationId xmlns:a16="http://schemas.microsoft.com/office/drawing/2014/main" id="{C09A56AF-B10B-B233-889B-BBB7E0D24FB5}"/>
+                </a:ext>
+              </a:extLst>
+            </p:cNvPr>
+            <p:cNvCxnSpPr>
+              <a:cxnSpLocks/>
+            </p:cNvCxnSpPr>
+            <p:nvPr/>
+          </p:nvCxnSpPr>
+          <p:spPr>
+            <a:xfrm flipV="1">
+              <a:off x="2104030" y="3517712"/>
+              <a:ext cx="0" cy="1095231"/>
+            </a:xfrm>
+            <a:prstGeom prst="straightConnector1">
+              <a:avLst/>
+            </a:prstGeom>
+            <a:ln w="19050">
+              <a:solidFill>
+                <a:srgbClr val="FF0000"/>
+              </a:solidFill>
+              <a:tailEnd type="triangle"/>
+            </a:ln>
+          </p:spPr>
+          <p:style>
+            <a:lnRef idx="1">
+              <a:schemeClr val="accent1"/>
+            </a:lnRef>
+            <a:fillRef idx="0">
+              <a:schemeClr val="accent1"/>
+            </a:fillRef>
+            <a:effectRef idx="0">
+              <a:schemeClr val="accent1"/>
+            </a:effectRef>
+            <a:fontRef idx="minor">
+              <a:schemeClr val="tx1"/>
+            </a:fontRef>
+          </p:style>
+        </p:cxnSp>
+        <p:sp>
+          <p:nvSpPr>
+            <p:cNvPr id="40" name="Textfeld 39">
+              <a:extLst>
+                <a:ext uri="{FF2B5EF4-FFF2-40B4-BE49-F238E27FC236}">
+                  <a16:creationId xmlns:a16="http://schemas.microsoft.com/office/drawing/2014/main" id="{6945B2B0-F1D3-3199-5500-8F1176D3550A}"/>
+                </a:ext>
+              </a:extLst>
+            </p:cNvPr>
+            <p:cNvSpPr txBox="1"/>
+            <p:nvPr/>
+          </p:nvSpPr>
+          <p:spPr>
+            <a:xfrm>
+              <a:off x="470848" y="3709449"/>
+              <a:ext cx="1142364" cy="369332"/>
+            </a:xfrm>
+            <a:prstGeom prst="rect">
+              <a:avLst/>
+            </a:prstGeom>
+            <a:noFill/>
+          </p:spPr>
+          <p:txBody>
+            <a:bodyPr wrap="none" rtlCol="0">
+              <a:spAutoFit/>
+            </a:bodyPr>
+            <a:lstStyle/>
+            <a:p>
+              <a:r>
+                <a:rPr lang="de-DE" dirty="0"/>
+                <a:t>Download</a:t>
+              </a:r>
+            </a:p>
+          </p:txBody>
+        </p:sp>
+        <p:sp>
+          <p:nvSpPr>
+            <p:cNvPr id="41" name="Textfeld 40">
+              <a:extLst>
+                <a:ext uri="{FF2B5EF4-FFF2-40B4-BE49-F238E27FC236}">
+                  <a16:creationId xmlns:a16="http://schemas.microsoft.com/office/drawing/2014/main" id="{51F6477F-B8B2-91C1-7906-F406732BB6B7}"/>
+                </a:ext>
+              </a:extLst>
+            </p:cNvPr>
+            <p:cNvSpPr txBox="1"/>
+            <p:nvPr/>
+          </p:nvSpPr>
+          <p:spPr>
+            <a:xfrm>
+              <a:off x="2154745" y="3729921"/>
+              <a:ext cx="1965282" cy="861774"/>
+            </a:xfrm>
+            <a:prstGeom prst="rect">
+              <a:avLst/>
+            </a:prstGeom>
+            <a:noFill/>
+          </p:spPr>
+          <p:txBody>
+            <a:bodyPr wrap="none" rtlCol="0">
+              <a:spAutoFit/>
+            </a:bodyPr>
+            <a:lstStyle/>
+            <a:p>
+              <a:r>
+                <a:rPr lang="de-DE" dirty="0"/>
+                <a:t>Upload </a:t>
+              </a:r>
+            </a:p>
+            <a:p>
+              <a:pPr marL="285750" indent="-285750">
+                <a:buFont typeface="Arial" panose="020B0604020202020204" pitchFamily="34" charset="0"/>
+                <a:buChar char="•"/>
+              </a:pPr>
+              <a:r>
+                <a:rPr lang="de-DE" sz="1600" dirty="0"/>
+                <a:t>PC</a:t>
+              </a:r>
+            </a:p>
+            <a:p>
+              <a:pPr marL="285750" indent="-285750">
+                <a:buFont typeface="Arial" panose="020B0604020202020204" pitchFamily="34" charset="0"/>
+                <a:buChar char="•"/>
+              </a:pPr>
+              <a:r>
+                <a:rPr lang="de-DE" sz="1600" dirty="0">
+                  <a:solidFill>
+                    <a:srgbClr val="C00000"/>
+                  </a:solidFill>
+                </a:rPr>
+                <a:t>Smartphone nicht</a:t>
+              </a:r>
+            </a:p>
+          </p:txBody>
+        </p:sp>
+      </p:grpSp>
+      <p:sp>
+        <p:nvSpPr>
+          <p:cNvPr id="56" name="Textfeld 55">
+            <a:extLst>
+              <a:ext uri="{FF2B5EF4-FFF2-40B4-BE49-F238E27FC236}">
+                <a16:creationId xmlns:a16="http://schemas.microsoft.com/office/drawing/2014/main" id="{BB4B00A7-2B99-5D68-3B92-8854BCA97121}"/>
+              </a:ext>
+            </a:extLst>
+          </p:cNvPr>
+          <p:cNvSpPr txBox="1"/>
+          <p:nvPr/>
+        </p:nvSpPr>
+        <p:spPr>
+          <a:xfrm>
+            <a:off x="3685264" y="510143"/>
+            <a:ext cx="5883342" cy="369332"/>
+          </a:xfrm>
+          <a:prstGeom prst="rect">
+            <a:avLst/>
+          </a:prstGeom>
+          <a:noFill/>
+        </p:spPr>
+        <p:txBody>
+          <a:bodyPr wrap="none" rtlCol="0">
+            <a:spAutoFit/>
+          </a:bodyPr>
+          <a:lstStyle/>
+          <a:p>
+            <a:r>
+              <a:rPr lang="de-DE" b="0" dirty="0">
+                <a:solidFill>
+                  <a:schemeClr val="accent1"/>
+                </a:solidFill>
+                <a:effectLst/>
+                <a:latin typeface="Consolas" panose="020B0609020204030204" pitchFamily="49" charset="0"/>
+              </a:rPr>
+              <a:t>https://hubertbertling.github.io/sudokuSolver</a:t>
+            </a:r>
+          </a:p>
+        </p:txBody>
+      </p:sp>
+      <p:grpSp>
+        <p:nvGrpSpPr>
+          <p:cNvPr id="60" name="Gruppieren 59">
+            <a:extLst>
+              <a:ext uri="{FF2B5EF4-FFF2-40B4-BE49-F238E27FC236}">
+                <a16:creationId xmlns:a16="http://schemas.microsoft.com/office/drawing/2014/main" id="{268C202C-1A74-C043-D50F-381DC2A9DEE3}"/>
+              </a:ext>
+            </a:extLst>
+          </p:cNvPr>
+          <p:cNvGrpSpPr/>
+          <p:nvPr/>
+        </p:nvGrpSpPr>
+        <p:grpSpPr>
+          <a:xfrm>
+            <a:off x="8388825" y="3562188"/>
+            <a:ext cx="3649179" cy="1608777"/>
+            <a:chOff x="470848" y="3517712"/>
+            <a:chExt cx="3649179" cy="1608777"/>
+          </a:xfrm>
+        </p:grpSpPr>
+        <p:sp>
+          <p:nvSpPr>
+            <p:cNvPr id="61" name="Flussdiagramm: Dokument 60">
+              <a:extLst>
+                <a:ext uri="{FF2B5EF4-FFF2-40B4-BE49-F238E27FC236}">
+                  <a16:creationId xmlns:a16="http://schemas.microsoft.com/office/drawing/2014/main" id="{264749CB-183E-A722-044B-3ED31B997AA9}"/>
+                </a:ext>
+              </a:extLst>
+            </p:cNvPr>
+            <p:cNvSpPr/>
+            <p:nvPr/>
+          </p:nvSpPr>
+          <p:spPr>
+            <a:xfrm>
+              <a:off x="1267314" y="4678716"/>
+              <a:ext cx="1245364" cy="447773"/>
+            </a:xfrm>
+            <a:prstGeom prst="flowChartDocument">
+              <a:avLst/>
+            </a:prstGeom>
+            <a:solidFill>
+              <a:schemeClr val="bg1"/>
+            </a:solidFill>
+          </p:spPr>
+          <p:style>
+            <a:lnRef idx="2">
+              <a:schemeClr val="accent1">
+                <a:shade val="15000"/>
+              </a:schemeClr>
+            </a:lnRef>
+            <a:fillRef idx="1">
+              <a:schemeClr val="accent1"/>
+            </a:fillRef>
+            <a:effectRef idx="0">
+              <a:schemeClr val="accent1"/>
+            </a:effectRef>
+            <a:fontRef idx="minor">
+              <a:schemeClr val="lt1"/>
+            </a:fontRef>
+          </p:style>
+          <p:txBody>
+            <a:bodyPr rtlCol="0" anchor="ctr"/>
+            <a:lstStyle/>
+            <a:p>
+              <a:pPr algn="ctr"/>
+              <a:r>
+                <a:rPr lang="de-DE" dirty="0">
+                  <a:solidFill>
+                    <a:schemeClr val="tx1"/>
+                  </a:solidFill>
+                </a:rPr>
+                <a:t>Puzzle-File</a:t>
+              </a:r>
+            </a:p>
+          </p:txBody>
+        </p:sp>
+        <p:cxnSp>
+          <p:nvCxnSpPr>
+            <p:cNvPr id="62" name="Gerade Verbindung mit Pfeil 61">
+              <a:extLst>
+                <a:ext uri="{FF2B5EF4-FFF2-40B4-BE49-F238E27FC236}">
+                  <a16:creationId xmlns:a16="http://schemas.microsoft.com/office/drawing/2014/main" id="{71AEE05A-A1AC-B8CF-41EC-4CCF857CA647}"/>
+                </a:ext>
+              </a:extLst>
+            </p:cNvPr>
+            <p:cNvCxnSpPr>
+              <a:cxnSpLocks/>
+            </p:cNvCxnSpPr>
+            <p:nvPr/>
+          </p:nvCxnSpPr>
+          <p:spPr>
+            <a:xfrm>
+              <a:off x="1671850" y="3538184"/>
+              <a:ext cx="0" cy="1074759"/>
+            </a:xfrm>
+            <a:prstGeom prst="straightConnector1">
+              <a:avLst/>
+            </a:prstGeom>
+            <a:ln w="19050">
+              <a:solidFill>
+                <a:schemeClr val="tx1"/>
+              </a:solidFill>
+              <a:tailEnd type="triangle"/>
+            </a:ln>
+          </p:spPr>
+          <p:style>
+            <a:lnRef idx="1">
+              <a:schemeClr val="accent1"/>
+            </a:lnRef>
+            <a:fillRef idx="0">
+              <a:schemeClr val="accent1"/>
+            </a:fillRef>
+            <a:effectRef idx="0">
+              <a:schemeClr val="accent1"/>
+            </a:effectRef>
+            <a:fontRef idx="minor">
+              <a:schemeClr val="tx1"/>
+            </a:fontRef>
+          </p:style>
+        </p:cxnSp>
+        <p:cxnSp>
+          <p:nvCxnSpPr>
+            <p:cNvPr id="63" name="Gerade Verbindung mit Pfeil 62">
+              <a:extLst>
+                <a:ext uri="{FF2B5EF4-FFF2-40B4-BE49-F238E27FC236}">
+                  <a16:creationId xmlns:a16="http://schemas.microsoft.com/office/drawing/2014/main" id="{9C6C5AF6-83CF-5DBF-43EF-744F91E430BD}"/>
+                </a:ext>
+              </a:extLst>
+            </p:cNvPr>
+            <p:cNvCxnSpPr>
+              <a:cxnSpLocks/>
+            </p:cNvCxnSpPr>
+            <p:nvPr/>
+          </p:nvCxnSpPr>
+          <p:spPr>
+            <a:xfrm flipV="1">
+              <a:off x="2104030" y="3517712"/>
+              <a:ext cx="0" cy="1095231"/>
+            </a:xfrm>
+            <a:prstGeom prst="straightConnector1">
+              <a:avLst/>
+            </a:prstGeom>
+            <a:ln w="19050">
+              <a:solidFill>
+                <a:srgbClr val="FF0000"/>
+              </a:solidFill>
+              <a:tailEnd type="triangle"/>
+            </a:ln>
+          </p:spPr>
+          <p:style>
+            <a:lnRef idx="1">
+              <a:schemeClr val="accent1"/>
+            </a:lnRef>
+            <a:fillRef idx="0">
+              <a:schemeClr val="accent1"/>
+            </a:fillRef>
+            <a:effectRef idx="0">
+              <a:schemeClr val="accent1"/>
+            </a:effectRef>
+            <a:fontRef idx="minor">
+              <a:schemeClr val="tx1"/>
+            </a:fontRef>
+          </p:style>
+        </p:cxnSp>
+        <p:sp>
+          <p:nvSpPr>
+            <p:cNvPr id="64" name="Textfeld 63">
+              <a:extLst>
+                <a:ext uri="{FF2B5EF4-FFF2-40B4-BE49-F238E27FC236}">
+                  <a16:creationId xmlns:a16="http://schemas.microsoft.com/office/drawing/2014/main" id="{A73790DA-B717-9486-D512-608ED202CB4E}"/>
+                </a:ext>
+              </a:extLst>
+            </p:cNvPr>
+            <p:cNvSpPr txBox="1"/>
+            <p:nvPr/>
+          </p:nvSpPr>
+          <p:spPr>
+            <a:xfrm>
+              <a:off x="470848" y="3709449"/>
+              <a:ext cx="1142364" cy="369332"/>
+            </a:xfrm>
+            <a:prstGeom prst="rect">
+              <a:avLst/>
+            </a:prstGeom>
+            <a:noFill/>
+          </p:spPr>
+          <p:txBody>
+            <a:bodyPr wrap="none" rtlCol="0">
+              <a:spAutoFit/>
+            </a:bodyPr>
+            <a:lstStyle/>
+            <a:p>
+              <a:r>
+                <a:rPr lang="de-DE" dirty="0"/>
+                <a:t>Download</a:t>
+              </a:r>
+            </a:p>
+          </p:txBody>
+        </p:sp>
+        <p:sp>
+          <p:nvSpPr>
+            <p:cNvPr id="65" name="Textfeld 64">
+              <a:extLst>
+                <a:ext uri="{FF2B5EF4-FFF2-40B4-BE49-F238E27FC236}">
+                  <a16:creationId xmlns:a16="http://schemas.microsoft.com/office/drawing/2014/main" id="{D4C584C3-16B5-17C2-4335-9BEF6B0408A5}"/>
+                </a:ext>
+              </a:extLst>
+            </p:cNvPr>
+            <p:cNvSpPr txBox="1"/>
+            <p:nvPr/>
+          </p:nvSpPr>
+          <p:spPr>
+            <a:xfrm>
+              <a:off x="2154745" y="3729921"/>
+              <a:ext cx="1965282" cy="861774"/>
+            </a:xfrm>
+            <a:prstGeom prst="rect">
+              <a:avLst/>
+            </a:prstGeom>
+            <a:noFill/>
+          </p:spPr>
+          <p:txBody>
+            <a:bodyPr wrap="none" rtlCol="0">
+              <a:spAutoFit/>
+            </a:bodyPr>
+            <a:lstStyle/>
+            <a:p>
+              <a:r>
+                <a:rPr lang="de-DE" dirty="0"/>
+                <a:t>Upload </a:t>
+              </a:r>
+            </a:p>
+            <a:p>
+              <a:pPr marL="285750" indent="-285750">
+                <a:buFont typeface="Arial" panose="020B0604020202020204" pitchFamily="34" charset="0"/>
+                <a:buChar char="•"/>
+              </a:pPr>
+              <a:r>
+                <a:rPr lang="de-DE" sz="1600" dirty="0"/>
+                <a:t>PC</a:t>
+              </a:r>
+            </a:p>
+            <a:p>
+              <a:pPr marL="285750" indent="-285750">
+                <a:buFont typeface="Arial" panose="020B0604020202020204" pitchFamily="34" charset="0"/>
+                <a:buChar char="•"/>
+              </a:pPr>
+              <a:r>
+                <a:rPr lang="de-DE" sz="1600" dirty="0">
+                  <a:solidFill>
+                    <a:srgbClr val="C00000"/>
+                  </a:solidFill>
+                </a:rPr>
+                <a:t>Smartphone nicht</a:t>
+              </a:r>
+            </a:p>
+          </p:txBody>
+        </p:sp>
+      </p:grpSp>
     </p:spTree>
     <p:extLst>
       <p:ext uri="{BB962C8B-B14F-4D97-AF65-F5344CB8AC3E}">
